--- a/database/slides/HAIL_REDEEMER.pptx
+++ b/database/slides/HAIL_REDEEMER.pptx
@@ -16144,7 +16144,13 @@
       </p:sp>
       <p:sp>
         <p:nvSpPr>
-          <p:cNvPr id="131" name="Google Shape;131;p25"/>
+          <p:cNvPr id="2" name="Google Shape;131;p25">
+            <a:extLst>
+              <a:ext uri="{FF2B5EF4-FFF2-40B4-BE49-F238E27FC236}">
+                <a16:creationId xmlns:a16="http://schemas.microsoft.com/office/drawing/2014/main" id="{6479308D-F033-7618-D154-8B193FED48FC}"/>
+              </a:ext>
+            </a:extLst>
+          </p:cNvPr>
           <p:cNvSpPr txBox="1"/>
           <p:nvPr/>
         </p:nvSpPr>
@@ -16167,11 +16173,19 @@
           </a:bodyPr>
           <a:lstStyle/>
           <a:p>
-            <a:pPr>
+            <a:pPr marL="0" lvl="0" indent="0" algn="l" rtl="0">
+              <a:spcBef>
+                <a:spcPts val="0"/>
+              </a:spcBef>
+              <a:spcAft>
+                <a:spcPts val="0"/>
+              </a:spcAft>
               <a:buClr>
                 <a:schemeClr val="lt1"/>
               </a:buClr>
               <a:buSzPts val="3200"/>
+              <a:buFont typeface="Arial"/>
+              <a:buNone/>
             </a:pPr>
             <a:r>
               <a:rPr lang="en-GB" sz="3600" b="1" i="1" dirty="0">
@@ -16185,7 +16199,7 @@
               </a:rPr>
               <a:t>contd..</a:t>
             </a:r>
-            <a:endParaRPr lang="en-GB" sz="3600" dirty="0">
+            <a:endParaRPr sz="3600" dirty="0">
               <a:latin typeface="Calibri"/>
               <a:ea typeface="Calibri"/>
               <a:cs typeface="Calibri"/>
@@ -16589,10 +16603,10 @@
       </p:sp>
       <p:sp>
         <p:nvSpPr>
-          <p:cNvPr id="131" name="Google Shape;131;p25">
+          <p:cNvPr id="2" name="Google Shape;131;p25">
             <a:extLst>
               <a:ext uri="{FF2B5EF4-FFF2-40B4-BE49-F238E27FC236}">
-                <a16:creationId xmlns:a16="http://schemas.microsoft.com/office/drawing/2014/main" id="{E3709E94-69EB-A376-99F9-58A0FA69A166}"/>
+                <a16:creationId xmlns:a16="http://schemas.microsoft.com/office/drawing/2014/main" id="{31710F16-80F7-CB52-DF65-C14CA81768B4}"/>
               </a:ext>
             </a:extLst>
           </p:cNvPr>
@@ -16618,11 +16632,19 @@
           </a:bodyPr>
           <a:lstStyle/>
           <a:p>
-            <a:pPr>
+            <a:pPr marL="0" lvl="0" indent="0" algn="l" rtl="0">
+              <a:spcBef>
+                <a:spcPts val="0"/>
+              </a:spcBef>
+              <a:spcAft>
+                <a:spcPts val="0"/>
+              </a:spcAft>
               <a:buClr>
                 <a:schemeClr val="lt1"/>
               </a:buClr>
               <a:buSzPts val="3200"/>
+              <a:buFont typeface="Arial"/>
+              <a:buNone/>
             </a:pPr>
             <a:r>
               <a:rPr lang="en-GB" sz="3600" b="1" i="1" dirty="0">
@@ -16636,7 +16658,7 @@
               </a:rPr>
               <a:t>contd..</a:t>
             </a:r>
-            <a:endParaRPr lang="en-GB" sz="3600" dirty="0">
+            <a:endParaRPr sz="3600" dirty="0">
               <a:latin typeface="Calibri"/>
               <a:ea typeface="Calibri"/>
               <a:cs typeface="Calibri"/>
@@ -17040,10 +17062,10 @@
       </p:sp>
       <p:sp>
         <p:nvSpPr>
-          <p:cNvPr id="131" name="Google Shape;131;p25">
+          <p:cNvPr id="2" name="Google Shape;131;p25">
             <a:extLst>
               <a:ext uri="{FF2B5EF4-FFF2-40B4-BE49-F238E27FC236}">
-                <a16:creationId xmlns:a16="http://schemas.microsoft.com/office/drawing/2014/main" id="{2A511A0B-5B2A-DBEC-29C8-338EE7621A52}"/>
+                <a16:creationId xmlns:a16="http://schemas.microsoft.com/office/drawing/2014/main" id="{8E8CE474-0DBA-DF10-71D1-55D8A9FACA01}"/>
               </a:ext>
             </a:extLst>
           </p:cNvPr>
@@ -17069,11 +17091,19 @@
           </a:bodyPr>
           <a:lstStyle/>
           <a:p>
-            <a:pPr>
+            <a:pPr marL="0" lvl="0" indent="0" algn="l" rtl="0">
+              <a:spcBef>
+                <a:spcPts val="0"/>
+              </a:spcBef>
+              <a:spcAft>
+                <a:spcPts val="0"/>
+              </a:spcAft>
               <a:buClr>
                 <a:schemeClr val="lt1"/>
               </a:buClr>
               <a:buSzPts val="3200"/>
+              <a:buFont typeface="Arial"/>
+              <a:buNone/>
             </a:pPr>
             <a:r>
               <a:rPr lang="en-GB" sz="3600" b="1" i="1" dirty="0">
@@ -17087,7 +17117,7 @@
               </a:rPr>
               <a:t>contd..</a:t>
             </a:r>
-            <a:endParaRPr lang="en-GB" sz="3600" dirty="0">
+            <a:endParaRPr sz="3600" dirty="0">
               <a:latin typeface="Calibri"/>
               <a:ea typeface="Calibri"/>
               <a:cs typeface="Calibri"/>
